--- a/api/applib/src/main/adoc/modules/applib-svc/images/reference-services/categories.pptx
+++ b/api/applib/src/main/adoc/modules/applib-svc/images/reference-services/categories.pptx
@@ -123,10 +123,6 @@
 </p:presentation>
 </file>
 
-<file path=ppt/revisionInfo.xml><?xml version="1.0" encoding="utf-8"?>
-<p1510:revInfo xmlns:a="http://schemas.openxmlformats.org/drawingml/2006/main" xmlns:r="http://schemas.openxmlformats.org/officeDocument/2006/relationships" xmlns:p1510="http://schemas.microsoft.com/office/powerpoint/2015/10/main"/>
-</file>
-
 <file path=ppt/slideLayouts/slideLayout1.xml><?xml version="1.0" encoding="utf-8"?>
 <p:sldLayout xmlns:a="http://schemas.openxmlformats.org/drawingml/2006/main" xmlns:r="http://schemas.openxmlformats.org/officeDocument/2006/relationships" xmlns:p="http://schemas.openxmlformats.org/presentationml/2006/main" type="title" preserve="1">
   <p:cSld name="Title Slide">
@@ -308,7 +304,7 @@
           <a:p>
             <a:fld id="{EA92691D-FF03-40D7-9ED0-9214EECCD472}" type="datetimeFigureOut">
               <a:rPr lang="en-GB" smtClean="0"/>
-              <a:t>28/12/2017</a:t>
+              <a:t>20/02/2020</a:t>
             </a:fld>
             <a:endParaRPr lang="en-GB"/>
           </a:p>
@@ -478,7 +474,7 @@
           <a:p>
             <a:fld id="{EA92691D-FF03-40D7-9ED0-9214EECCD472}" type="datetimeFigureOut">
               <a:rPr lang="en-GB" smtClean="0"/>
-              <a:t>28/12/2017</a:t>
+              <a:t>20/02/2020</a:t>
             </a:fld>
             <a:endParaRPr lang="en-GB"/>
           </a:p>
@@ -658,7 +654,7 @@
           <a:p>
             <a:fld id="{EA92691D-FF03-40D7-9ED0-9214EECCD472}" type="datetimeFigureOut">
               <a:rPr lang="en-GB" smtClean="0"/>
-              <a:t>28/12/2017</a:t>
+              <a:t>20/02/2020</a:t>
             </a:fld>
             <a:endParaRPr lang="en-GB"/>
           </a:p>
@@ -828,7 +824,7 @@
           <a:p>
             <a:fld id="{EA92691D-FF03-40D7-9ED0-9214EECCD472}" type="datetimeFigureOut">
               <a:rPr lang="en-GB" smtClean="0"/>
-              <a:t>28/12/2017</a:t>
+              <a:t>20/02/2020</a:t>
             </a:fld>
             <a:endParaRPr lang="en-GB"/>
           </a:p>
@@ -1074,7 +1070,7 @@
           <a:p>
             <a:fld id="{EA92691D-FF03-40D7-9ED0-9214EECCD472}" type="datetimeFigureOut">
               <a:rPr lang="en-GB" smtClean="0"/>
-              <a:t>28/12/2017</a:t>
+              <a:t>20/02/2020</a:t>
             </a:fld>
             <a:endParaRPr lang="en-GB"/>
           </a:p>
@@ -1362,7 +1358,7 @@
           <a:p>
             <a:fld id="{EA92691D-FF03-40D7-9ED0-9214EECCD472}" type="datetimeFigureOut">
               <a:rPr lang="en-GB" smtClean="0"/>
-              <a:t>28/12/2017</a:t>
+              <a:t>20/02/2020</a:t>
             </a:fld>
             <a:endParaRPr lang="en-GB"/>
           </a:p>
@@ -1784,7 +1780,7 @@
           <a:p>
             <a:fld id="{EA92691D-FF03-40D7-9ED0-9214EECCD472}" type="datetimeFigureOut">
               <a:rPr lang="en-GB" smtClean="0"/>
-              <a:t>28/12/2017</a:t>
+              <a:t>20/02/2020</a:t>
             </a:fld>
             <a:endParaRPr lang="en-GB"/>
           </a:p>
@@ -1902,7 +1898,7 @@
           <a:p>
             <a:fld id="{EA92691D-FF03-40D7-9ED0-9214EECCD472}" type="datetimeFigureOut">
               <a:rPr lang="en-GB" smtClean="0"/>
-              <a:t>28/12/2017</a:t>
+              <a:t>20/02/2020</a:t>
             </a:fld>
             <a:endParaRPr lang="en-GB"/>
           </a:p>
@@ -1997,7 +1993,7 @@
           <a:p>
             <a:fld id="{EA92691D-FF03-40D7-9ED0-9214EECCD472}" type="datetimeFigureOut">
               <a:rPr lang="en-GB" smtClean="0"/>
-              <a:t>28/12/2017</a:t>
+              <a:t>20/02/2020</a:t>
             </a:fld>
             <a:endParaRPr lang="en-GB"/>
           </a:p>
@@ -2274,7 +2270,7 @@
           <a:p>
             <a:fld id="{EA92691D-FF03-40D7-9ED0-9214EECCD472}" type="datetimeFigureOut">
               <a:rPr lang="en-GB" smtClean="0"/>
-              <a:t>28/12/2017</a:t>
+              <a:t>20/02/2020</a:t>
             </a:fld>
             <a:endParaRPr lang="en-GB"/>
           </a:p>
@@ -2527,7 +2523,7 @@
           <a:p>
             <a:fld id="{EA92691D-FF03-40D7-9ED0-9214EECCD472}" type="datetimeFigureOut">
               <a:rPr lang="en-GB" smtClean="0"/>
-              <a:t>28/12/2017</a:t>
+              <a:t>20/02/2020</a:t>
             </a:fld>
             <a:endParaRPr lang="en-GB"/>
           </a:p>
@@ -2740,7 +2736,7 @@
           <a:p>
             <a:fld id="{EA92691D-FF03-40D7-9ED0-9214EECCD472}" type="datetimeFigureOut">
               <a:rPr lang="en-GB" smtClean="0"/>
-              <a:t>28/12/2017</a:t>
+              <a:t>20/02/2020</a:t>
             </a:fld>
             <a:endParaRPr lang="en-GB"/>
           </a:p>
@@ -3124,7 +3120,7 @@
         <p:spPr>
           <a:xfrm>
             <a:off x="723322" y="3501008"/>
-            <a:ext cx="6873014" cy="2376264"/>
+            <a:ext cx="6873014" cy="1800200"/>
           </a:xfrm>
           <a:prstGeom prst="rect">
             <a:avLst/>
@@ -3530,47 +3526,6 @@
       </p:sp>
       <p:sp>
         <p:nvSpPr>
-          <p:cNvPr id="20" name="Rectangle 19"/>
-          <p:cNvSpPr/>
-          <p:nvPr/>
-        </p:nvSpPr>
-        <p:spPr>
-          <a:xfrm>
-            <a:off x="5907898" y="838729"/>
-            <a:ext cx="1512168" cy="646056"/>
-          </a:xfrm>
-          <a:prstGeom prst="rect">
-            <a:avLst/>
-          </a:prstGeom>
-        </p:spPr>
-        <p:style>
-          <a:lnRef idx="1">
-            <a:schemeClr val="dk1"/>
-          </a:lnRef>
-          <a:fillRef idx="2">
-            <a:schemeClr val="dk1"/>
-          </a:fillRef>
-          <a:effectRef idx="1">
-            <a:schemeClr val="dk1"/>
-          </a:effectRef>
-          <a:fontRef idx="minor">
-            <a:schemeClr val="dk1"/>
-          </a:fontRef>
-        </p:style>
-        <p:txBody>
-          <a:bodyPr rtlCol="0" anchor="ctr"/>
-          <a:lstStyle/>
-          <a:p>
-            <a:pPr algn="ctr"/>
-            <a:r>
-              <a:rPr lang="en-GB" dirty="0"/>
-              <a:t>Testing</a:t>
-            </a:r>
-          </a:p>
-        </p:txBody>
-      </p:sp>
-      <p:sp>
-        <p:nvSpPr>
           <p:cNvPr id="21" name="Rectangle 20"/>
           <p:cNvSpPr/>
           <p:nvPr/>
@@ -3672,47 +3627,6 @@
             <a:r>
               <a:rPr lang="en-GB" dirty="0"/>
               <a:t>SPI</a:t>
-            </a:r>
-          </a:p>
-        </p:txBody>
-      </p:sp>
-      <p:sp>
-        <p:nvSpPr>
-          <p:cNvPr id="17" name="Rectangle 16"/>
-          <p:cNvSpPr/>
-          <p:nvPr/>
-        </p:nvSpPr>
-        <p:spPr>
-          <a:xfrm>
-            <a:off x="939346" y="4870416"/>
-            <a:ext cx="6480720" cy="502800"/>
-          </a:xfrm>
-          <a:prstGeom prst="rect">
-            <a:avLst/>
-          </a:prstGeom>
-        </p:spPr>
-        <p:style>
-          <a:lnRef idx="1">
-            <a:schemeClr val="dk1"/>
-          </a:lnRef>
-          <a:fillRef idx="2">
-            <a:schemeClr val="dk1"/>
-          </a:fillRef>
-          <a:effectRef idx="1">
-            <a:schemeClr val="dk1"/>
-          </a:effectRef>
-          <a:fontRef idx="minor">
-            <a:schemeClr val="dk1"/>
-          </a:fontRef>
-        </p:style>
-        <p:txBody>
-          <a:bodyPr rtlCol="0" anchor="ctr"/>
-          <a:lstStyle/>
-          <a:p>
-            <a:pPr algn="ctr"/>
-            <a:r>
-              <a:rPr lang="en-GB" dirty="0"/>
-              <a:t>Bootstrapping SPI</a:t>
             </a:r>
           </a:p>
         </p:txBody>

--- a/api/applib/src/main/adoc/modules/applib-svc/images/reference-services/categories.pptx
+++ b/api/applib/src/main/adoc/modules/applib-svc/images/reference-services/categories.pptx
@@ -304,7 +304,7 @@
           <a:p>
             <a:fld id="{EA92691D-FF03-40D7-9ED0-9214EECCD472}" type="datetimeFigureOut">
               <a:rPr lang="en-GB" smtClean="0"/>
-              <a:t>20/02/2020</a:t>
+              <a:t>21/02/2020</a:t>
             </a:fld>
             <a:endParaRPr lang="en-GB"/>
           </a:p>
@@ -474,7 +474,7 @@
           <a:p>
             <a:fld id="{EA92691D-FF03-40D7-9ED0-9214EECCD472}" type="datetimeFigureOut">
               <a:rPr lang="en-GB" smtClean="0"/>
-              <a:t>20/02/2020</a:t>
+              <a:t>21/02/2020</a:t>
             </a:fld>
             <a:endParaRPr lang="en-GB"/>
           </a:p>
@@ -654,7 +654,7 @@
           <a:p>
             <a:fld id="{EA92691D-FF03-40D7-9ED0-9214EECCD472}" type="datetimeFigureOut">
               <a:rPr lang="en-GB" smtClean="0"/>
-              <a:t>20/02/2020</a:t>
+              <a:t>21/02/2020</a:t>
             </a:fld>
             <a:endParaRPr lang="en-GB"/>
           </a:p>
@@ -824,7 +824,7 @@
           <a:p>
             <a:fld id="{EA92691D-FF03-40D7-9ED0-9214EECCD472}" type="datetimeFigureOut">
               <a:rPr lang="en-GB" smtClean="0"/>
-              <a:t>20/02/2020</a:t>
+              <a:t>21/02/2020</a:t>
             </a:fld>
             <a:endParaRPr lang="en-GB"/>
           </a:p>
@@ -1070,7 +1070,7 @@
           <a:p>
             <a:fld id="{EA92691D-FF03-40D7-9ED0-9214EECCD472}" type="datetimeFigureOut">
               <a:rPr lang="en-GB" smtClean="0"/>
-              <a:t>20/02/2020</a:t>
+              <a:t>21/02/2020</a:t>
             </a:fld>
             <a:endParaRPr lang="en-GB"/>
           </a:p>
@@ -1358,7 +1358,7 @@
           <a:p>
             <a:fld id="{EA92691D-FF03-40D7-9ED0-9214EECCD472}" type="datetimeFigureOut">
               <a:rPr lang="en-GB" smtClean="0"/>
-              <a:t>20/02/2020</a:t>
+              <a:t>21/02/2020</a:t>
             </a:fld>
             <a:endParaRPr lang="en-GB"/>
           </a:p>
@@ -1780,7 +1780,7 @@
           <a:p>
             <a:fld id="{EA92691D-FF03-40D7-9ED0-9214EECCD472}" type="datetimeFigureOut">
               <a:rPr lang="en-GB" smtClean="0"/>
-              <a:t>20/02/2020</a:t>
+              <a:t>21/02/2020</a:t>
             </a:fld>
             <a:endParaRPr lang="en-GB"/>
           </a:p>
@@ -1898,7 +1898,7 @@
           <a:p>
             <a:fld id="{EA92691D-FF03-40D7-9ED0-9214EECCD472}" type="datetimeFigureOut">
               <a:rPr lang="en-GB" smtClean="0"/>
-              <a:t>20/02/2020</a:t>
+              <a:t>21/02/2020</a:t>
             </a:fld>
             <a:endParaRPr lang="en-GB"/>
           </a:p>
@@ -1993,7 +1993,7 @@
           <a:p>
             <a:fld id="{EA92691D-FF03-40D7-9ED0-9214EECCD472}" type="datetimeFigureOut">
               <a:rPr lang="en-GB" smtClean="0"/>
-              <a:t>20/02/2020</a:t>
+              <a:t>21/02/2020</a:t>
             </a:fld>
             <a:endParaRPr lang="en-GB"/>
           </a:p>
@@ -2270,7 +2270,7 @@
           <a:p>
             <a:fld id="{EA92691D-FF03-40D7-9ED0-9214EECCD472}" type="datetimeFigureOut">
               <a:rPr lang="en-GB" smtClean="0"/>
-              <a:t>20/02/2020</a:t>
+              <a:t>21/02/2020</a:t>
             </a:fld>
             <a:endParaRPr lang="en-GB"/>
           </a:p>
@@ -2523,7 +2523,7 @@
           <a:p>
             <a:fld id="{EA92691D-FF03-40D7-9ED0-9214EECCD472}" type="datetimeFigureOut">
               <a:rPr lang="en-GB" smtClean="0"/>
-              <a:t>20/02/2020</a:t>
+              <a:t>21/02/2020</a:t>
             </a:fld>
             <a:endParaRPr lang="en-GB"/>
           </a:p>
@@ -2736,7 +2736,7 @@
           <a:p>
             <a:fld id="{EA92691D-FF03-40D7-9ED0-9214EECCD472}" type="datetimeFigureOut">
               <a:rPr lang="en-GB" smtClean="0"/>
-              <a:t>20/02/2020</a:t>
+              <a:t>21/02/2020</a:t>
             </a:fld>
             <a:endParaRPr lang="en-GB"/>
           </a:p>
@@ -3119,8 +3119,8 @@
         </p:nvSpPr>
         <p:spPr>
           <a:xfrm>
-            <a:off x="723322" y="3501008"/>
-            <a:ext cx="6873014" cy="1800200"/>
+            <a:off x="1155370" y="3568682"/>
+            <a:ext cx="6873014" cy="2880320"/>
           </a:xfrm>
           <a:prstGeom prst="rect">
             <a:avLst/>
@@ -3165,7 +3165,7 @@
         </p:nvSpPr>
         <p:spPr>
           <a:xfrm>
-            <a:off x="723322" y="404664"/>
+            <a:off x="1155370" y="472338"/>
             <a:ext cx="6873014" cy="2952328"/>
           </a:xfrm>
           <a:prstGeom prst="rect">
@@ -3211,7 +3211,7 @@
         </p:nvSpPr>
         <p:spPr>
           <a:xfrm>
-            <a:off x="939346" y="3645024"/>
+            <a:off x="1371394" y="3712698"/>
             <a:ext cx="1512168" cy="1078865"/>
           </a:xfrm>
           <a:prstGeom prst="rect">
@@ -3268,7 +3268,7 @@
         </p:nvSpPr>
         <p:spPr>
           <a:xfrm>
-            <a:off x="2595530" y="2062103"/>
+            <a:off x="3027578" y="2129777"/>
             <a:ext cx="1512168" cy="1078865"/>
           </a:xfrm>
           <a:prstGeom prst="rect">
@@ -3325,7 +3325,7 @@
         </p:nvSpPr>
         <p:spPr>
           <a:xfrm>
-            <a:off x="4251714" y="2060848"/>
+            <a:off x="4683762" y="2128522"/>
             <a:ext cx="1512168" cy="1078865"/>
           </a:xfrm>
           <a:prstGeom prst="rect">
@@ -3375,7 +3375,7 @@
         </p:nvSpPr>
         <p:spPr>
           <a:xfrm>
-            <a:off x="5907898" y="2060848"/>
+            <a:off x="6339946" y="2128522"/>
             <a:ext cx="1512168" cy="1078865"/>
           </a:xfrm>
           <a:prstGeom prst="rect">
@@ -3432,7 +3432,7 @@
         </p:nvSpPr>
         <p:spPr>
           <a:xfrm>
-            <a:off x="2598582" y="837473"/>
+            <a:off x="3030630" y="905147"/>
             <a:ext cx="1512168" cy="1080120"/>
           </a:xfrm>
           <a:prstGeom prst="rect">
@@ -3476,13 +3476,360 @@
       </p:sp>
       <p:sp>
         <p:nvSpPr>
-          <p:cNvPr id="14" name="Rectangle 13"/>
+          <p:cNvPr id="21" name="Rectangle 20"/>
           <p:cNvSpPr/>
           <p:nvPr/>
         </p:nvSpPr>
         <p:spPr>
           <a:xfrm>
-            <a:off x="5907898" y="3645024"/>
+            <a:off x="4686814" y="905147"/>
+            <a:ext cx="1512168" cy="1080120"/>
+          </a:xfrm>
+          <a:prstGeom prst="rect">
+            <a:avLst/>
+          </a:prstGeom>
+        </p:spPr>
+        <p:style>
+          <a:lnRef idx="2">
+            <a:schemeClr val="accent1">
+              <a:shade val="50000"/>
+            </a:schemeClr>
+          </a:lnRef>
+          <a:fillRef idx="1">
+            <a:schemeClr val="accent1"/>
+          </a:fillRef>
+          <a:effectRef idx="0">
+            <a:schemeClr val="accent1"/>
+          </a:effectRef>
+          <a:fontRef idx="minor">
+            <a:schemeClr val="lt1"/>
+          </a:fontRef>
+        </p:style>
+        <p:txBody>
+          <a:bodyPr rtlCol="0" anchor="ctr"/>
+          <a:lstStyle/>
+          <a:p>
+            <a:pPr algn="ctr"/>
+            <a:r>
+              <a:rPr lang="en-GB" dirty="0"/>
+              <a:t>Metadata</a:t>
+            </a:r>
+            <a:br>
+              <a:rPr lang="en-GB" dirty="0"/>
+            </a:br>
+            <a:r>
+              <a:rPr lang="en-GB" dirty="0"/>
+              <a:t>API</a:t>
+            </a:r>
+          </a:p>
+        </p:txBody>
+      </p:sp>
+      <p:sp>
+        <p:nvSpPr>
+          <p:cNvPr id="16" name="Rectangle 15"/>
+          <p:cNvSpPr/>
+          <p:nvPr/>
+        </p:nvSpPr>
+        <p:spPr>
+          <a:xfrm>
+            <a:off x="3027578" y="3712698"/>
+            <a:ext cx="1512168" cy="1078865"/>
+          </a:xfrm>
+          <a:prstGeom prst="rect">
+            <a:avLst/>
+          </a:prstGeom>
+        </p:spPr>
+        <p:style>
+          <a:lnRef idx="2">
+            <a:schemeClr val="accent4">
+              <a:shade val="50000"/>
+            </a:schemeClr>
+          </a:lnRef>
+          <a:fillRef idx="1">
+            <a:schemeClr val="accent4"/>
+          </a:fillRef>
+          <a:effectRef idx="0">
+            <a:schemeClr val="accent4"/>
+          </a:effectRef>
+          <a:fontRef idx="minor">
+            <a:schemeClr val="lt1"/>
+          </a:fontRef>
+        </p:style>
+        <p:txBody>
+          <a:bodyPr rtlCol="0" anchor="ctr"/>
+          <a:lstStyle/>
+          <a:p>
+            <a:pPr algn="ctr"/>
+            <a:r>
+              <a:rPr lang="en-GB" dirty="0"/>
+              <a:t>Application</a:t>
+            </a:r>
+            <a:br>
+              <a:rPr lang="en-GB" dirty="0"/>
+            </a:br>
+            <a:r>
+              <a:rPr lang="en-GB" dirty="0"/>
+              <a:t>Layer</a:t>
+            </a:r>
+          </a:p>
+          <a:p>
+            <a:pPr algn="ctr"/>
+            <a:r>
+              <a:rPr lang="en-GB" dirty="0"/>
+              <a:t>SPI</a:t>
+            </a:r>
+          </a:p>
+        </p:txBody>
+      </p:sp>
+      <p:sp>
+        <p:nvSpPr>
+          <p:cNvPr id="15" name="Rectangle 14">
+            <a:extLst>
+              <a:ext uri="{FF2B5EF4-FFF2-40B4-BE49-F238E27FC236}">
+                <a16:creationId xmlns:a16="http://schemas.microsoft.com/office/drawing/2014/main" id="{D0085A4A-226D-4DFD-8B85-CC910B9AF9AF}"/>
+              </a:ext>
+            </a:extLst>
+          </p:cNvPr>
+          <p:cNvSpPr/>
+          <p:nvPr/>
+        </p:nvSpPr>
+        <p:spPr>
+          <a:xfrm>
+            <a:off x="1371394" y="2128522"/>
+            <a:ext cx="1512168" cy="1078865"/>
+          </a:xfrm>
+          <a:prstGeom prst="rect">
+            <a:avLst/>
+          </a:prstGeom>
+        </p:spPr>
+        <p:style>
+          <a:lnRef idx="2">
+            <a:schemeClr val="accent5">
+              <a:shade val="50000"/>
+            </a:schemeClr>
+          </a:lnRef>
+          <a:fillRef idx="1">
+            <a:schemeClr val="accent5"/>
+          </a:fillRef>
+          <a:effectRef idx="0">
+            <a:schemeClr val="accent5"/>
+          </a:effectRef>
+          <a:fontRef idx="minor">
+            <a:schemeClr val="lt1"/>
+          </a:fontRef>
+        </p:style>
+        <p:txBody>
+          <a:bodyPr rtlCol="0" anchor="ctr"/>
+          <a:lstStyle/>
+          <a:p>
+            <a:pPr algn="ctr"/>
+            <a:r>
+              <a:rPr lang="en-GB" dirty="0"/>
+              <a:t>Presentation</a:t>
+            </a:r>
+            <a:br>
+              <a:rPr lang="en-GB" dirty="0"/>
+            </a:br>
+            <a:r>
+              <a:rPr lang="en-GB" dirty="0"/>
+              <a:t>Layer</a:t>
+            </a:r>
+          </a:p>
+          <a:p>
+            <a:pPr algn="ctr"/>
+            <a:r>
+              <a:rPr lang="en-GB" dirty="0"/>
+              <a:t>API</a:t>
+            </a:r>
+          </a:p>
+        </p:txBody>
+      </p:sp>
+      <p:sp>
+        <p:nvSpPr>
+          <p:cNvPr id="17" name="Rectangle 16">
+            <a:extLst>
+              <a:ext uri="{FF2B5EF4-FFF2-40B4-BE49-F238E27FC236}">
+                <a16:creationId xmlns:a16="http://schemas.microsoft.com/office/drawing/2014/main" id="{3DABD110-1FD8-4960-B3FE-3B5D8E32276B}"/>
+              </a:ext>
+            </a:extLst>
+          </p:cNvPr>
+          <p:cNvSpPr/>
+          <p:nvPr/>
+        </p:nvSpPr>
+        <p:spPr>
+          <a:xfrm>
+            <a:off x="3027578" y="4935579"/>
+            <a:ext cx="1512168" cy="1080120"/>
+          </a:xfrm>
+          <a:prstGeom prst="rect">
+            <a:avLst/>
+          </a:prstGeom>
+        </p:spPr>
+        <p:style>
+          <a:lnRef idx="2">
+            <a:schemeClr val="accent2">
+              <a:shade val="50000"/>
+            </a:schemeClr>
+          </a:lnRef>
+          <a:fillRef idx="1">
+            <a:schemeClr val="accent2"/>
+          </a:fillRef>
+          <a:effectRef idx="0">
+            <a:schemeClr val="accent2"/>
+          </a:effectRef>
+          <a:fontRef idx="minor">
+            <a:schemeClr val="lt1"/>
+          </a:fontRef>
+        </p:style>
+        <p:txBody>
+          <a:bodyPr rtlCol="0" anchor="ctr"/>
+          <a:lstStyle/>
+          <a:p>
+            <a:pPr algn="ctr"/>
+            <a:r>
+              <a:rPr lang="en-GB" dirty="0"/>
+              <a:t>Integration</a:t>
+            </a:r>
+            <a:br>
+              <a:rPr lang="en-GB" dirty="0"/>
+            </a:br>
+            <a:r>
+              <a:rPr lang="en-GB" dirty="0"/>
+              <a:t>SPI</a:t>
+            </a:r>
+          </a:p>
+        </p:txBody>
+      </p:sp>
+      <p:sp>
+        <p:nvSpPr>
+          <p:cNvPr id="18" name="Rectangle 17">
+            <a:extLst>
+              <a:ext uri="{FF2B5EF4-FFF2-40B4-BE49-F238E27FC236}">
+                <a16:creationId xmlns:a16="http://schemas.microsoft.com/office/drawing/2014/main" id="{F8198362-D6BE-466B-9949-13BADEA3783C}"/>
+              </a:ext>
+            </a:extLst>
+          </p:cNvPr>
+          <p:cNvSpPr/>
+          <p:nvPr/>
+        </p:nvSpPr>
+        <p:spPr>
+          <a:xfrm>
+            <a:off x="4712268" y="3720509"/>
+            <a:ext cx="1512168" cy="1080120"/>
+          </a:xfrm>
+          <a:prstGeom prst="rect">
+            <a:avLst/>
+          </a:prstGeom>
+          <a:solidFill>
+            <a:schemeClr val="tx2"/>
+          </a:solidFill>
+        </p:spPr>
+        <p:style>
+          <a:lnRef idx="2">
+            <a:schemeClr val="accent1">
+              <a:shade val="50000"/>
+            </a:schemeClr>
+          </a:lnRef>
+          <a:fillRef idx="1">
+            <a:schemeClr val="accent1"/>
+          </a:fillRef>
+          <a:effectRef idx="0">
+            <a:schemeClr val="accent1"/>
+          </a:effectRef>
+          <a:fontRef idx="minor">
+            <a:schemeClr val="lt1"/>
+          </a:fontRef>
+        </p:style>
+        <p:txBody>
+          <a:bodyPr rtlCol="0" anchor="ctr"/>
+          <a:lstStyle/>
+          <a:p>
+            <a:pPr algn="ctr"/>
+            <a:r>
+              <a:rPr lang="en-GB" dirty="0"/>
+              <a:t>Security</a:t>
+            </a:r>
+            <a:br>
+              <a:rPr lang="en-GB" dirty="0"/>
+            </a:br>
+            <a:r>
+              <a:rPr lang="en-GB" dirty="0"/>
+              <a:t>SPI</a:t>
+            </a:r>
+          </a:p>
+        </p:txBody>
+      </p:sp>
+      <p:sp>
+        <p:nvSpPr>
+          <p:cNvPr id="14" name="Rectangle 13">
+            <a:extLst>
+              <a:ext uri="{FF2B5EF4-FFF2-40B4-BE49-F238E27FC236}">
+                <a16:creationId xmlns:a16="http://schemas.microsoft.com/office/drawing/2014/main" id="{6B2FE29E-76C2-406B-8EF7-AB0D44896192}"/>
+              </a:ext>
+            </a:extLst>
+          </p:cNvPr>
+          <p:cNvSpPr/>
+          <p:nvPr/>
+        </p:nvSpPr>
+        <p:spPr>
+          <a:xfrm>
+            <a:off x="4712268" y="4967786"/>
+            <a:ext cx="1512168" cy="1080120"/>
+          </a:xfrm>
+          <a:prstGeom prst="rect">
+            <a:avLst/>
+          </a:prstGeom>
+        </p:spPr>
+        <p:style>
+          <a:lnRef idx="2">
+            <a:schemeClr val="accent1">
+              <a:shade val="50000"/>
+            </a:schemeClr>
+          </a:lnRef>
+          <a:fillRef idx="1">
+            <a:schemeClr val="accent1"/>
+          </a:fillRef>
+          <a:effectRef idx="0">
+            <a:schemeClr val="accent1"/>
+          </a:effectRef>
+          <a:fontRef idx="minor">
+            <a:schemeClr val="lt1"/>
+          </a:fontRef>
+        </p:style>
+        <p:txBody>
+          <a:bodyPr rtlCol="0" anchor="ctr"/>
+          <a:lstStyle/>
+          <a:p>
+            <a:pPr algn="ctr"/>
+            <a:r>
+              <a:rPr lang="en-GB" dirty="0"/>
+              <a:t>Metadata</a:t>
+            </a:r>
+            <a:br>
+              <a:rPr lang="en-GB" dirty="0"/>
+            </a:br>
+            <a:r>
+              <a:rPr lang="en-GB" dirty="0"/>
+              <a:t>SPI</a:t>
+            </a:r>
+          </a:p>
+        </p:txBody>
+      </p:sp>
+      <p:sp>
+        <p:nvSpPr>
+          <p:cNvPr id="20" name="Rectangle 19">
+            <a:extLst>
+              <a:ext uri="{FF2B5EF4-FFF2-40B4-BE49-F238E27FC236}">
+                <a16:creationId xmlns:a16="http://schemas.microsoft.com/office/drawing/2014/main" id="{44C5CD0C-D0C0-4E81-8CB2-5D0D49BF3B0E}"/>
+              </a:ext>
+            </a:extLst>
+          </p:cNvPr>
+          <p:cNvSpPr/>
+          <p:nvPr/>
+        </p:nvSpPr>
+        <p:spPr>
+          <a:xfrm>
+            <a:off x="6368452" y="3721764"/>
             <a:ext cx="1512168" cy="1078865"/>
           </a:xfrm>
           <a:prstGeom prst="rect">
@@ -3512,113 +3859,13 @@
             <a:pPr algn="ctr"/>
             <a:r>
               <a:rPr lang="en-GB" dirty="0"/>
-              <a:t>Persistence Layer</a:t>
-            </a:r>
-          </a:p>
-          <a:p>
-            <a:pPr algn="ctr"/>
-            <a:r>
-              <a:rPr lang="en-GB" dirty="0"/>
-              <a:t>SPI</a:t>
-            </a:r>
-          </a:p>
-        </p:txBody>
-      </p:sp>
-      <p:sp>
-        <p:nvSpPr>
-          <p:cNvPr id="21" name="Rectangle 20"/>
-          <p:cNvSpPr/>
-          <p:nvPr/>
-        </p:nvSpPr>
-        <p:spPr>
-          <a:xfrm>
-            <a:off x="4254766" y="837473"/>
-            <a:ext cx="1512168" cy="1080120"/>
-          </a:xfrm>
-          <a:prstGeom prst="rect">
-            <a:avLst/>
-          </a:prstGeom>
-        </p:spPr>
-        <p:style>
-          <a:lnRef idx="2">
-            <a:schemeClr val="accent1">
-              <a:shade val="50000"/>
-            </a:schemeClr>
-          </a:lnRef>
-          <a:fillRef idx="1">
-            <a:schemeClr val="accent1"/>
-          </a:fillRef>
-          <a:effectRef idx="0">
-            <a:schemeClr val="accent1"/>
-          </a:effectRef>
-          <a:fontRef idx="minor">
-            <a:schemeClr val="lt1"/>
-          </a:fontRef>
-        </p:style>
-        <p:txBody>
-          <a:bodyPr rtlCol="0" anchor="ctr"/>
-          <a:lstStyle/>
-          <a:p>
-            <a:pPr algn="ctr"/>
-            <a:r>
-              <a:rPr lang="en-GB" dirty="0"/>
-              <a:t>Metadata</a:t>
+              <a:t>Persistence</a:t>
             </a:r>
             <a:br>
               <a:rPr lang="en-GB" dirty="0"/>
             </a:br>
             <a:r>
               <a:rPr lang="en-GB" dirty="0"/>
-              <a:t>API</a:t>
-            </a:r>
-          </a:p>
-        </p:txBody>
-      </p:sp>
-      <p:sp>
-        <p:nvSpPr>
-          <p:cNvPr id="16" name="Rectangle 15"/>
-          <p:cNvSpPr/>
-          <p:nvPr/>
-        </p:nvSpPr>
-        <p:spPr>
-          <a:xfrm>
-            <a:off x="2595530" y="3645024"/>
-            <a:ext cx="1512168" cy="1078865"/>
-          </a:xfrm>
-          <a:prstGeom prst="rect">
-            <a:avLst/>
-          </a:prstGeom>
-        </p:spPr>
-        <p:style>
-          <a:lnRef idx="2">
-            <a:schemeClr val="accent4">
-              <a:shade val="50000"/>
-            </a:schemeClr>
-          </a:lnRef>
-          <a:fillRef idx="1">
-            <a:schemeClr val="accent4"/>
-          </a:fillRef>
-          <a:effectRef idx="0">
-            <a:schemeClr val="accent4"/>
-          </a:effectRef>
-          <a:fontRef idx="minor">
-            <a:schemeClr val="lt1"/>
-          </a:fontRef>
-        </p:style>
-        <p:txBody>
-          <a:bodyPr rtlCol="0" anchor="ctr"/>
-          <a:lstStyle/>
-          <a:p>
-            <a:pPr algn="ctr"/>
-            <a:r>
-              <a:rPr lang="en-GB" dirty="0"/>
-              <a:t>Application</a:t>
-            </a:r>
-            <a:br>
-              <a:rPr lang="en-GB" dirty="0"/>
-            </a:br>
-            <a:r>
-              <a:rPr lang="en-GB" dirty="0"/>
               <a:t>Layer</a:t>
             </a:r>
           </a:p>
@@ -3627,69 +3874,6 @@
             <a:r>
               <a:rPr lang="en-GB" dirty="0"/>
               <a:t>SPI</a:t>
-            </a:r>
-          </a:p>
-        </p:txBody>
-      </p:sp>
-      <p:sp>
-        <p:nvSpPr>
-          <p:cNvPr id="15" name="Rectangle 14">
-            <a:extLst>
-              <a:ext uri="{FF2B5EF4-FFF2-40B4-BE49-F238E27FC236}">
-                <a16:creationId xmlns:a16="http://schemas.microsoft.com/office/drawing/2014/main" id="{D0085A4A-226D-4DFD-8B85-CC910B9AF9AF}"/>
-              </a:ext>
-            </a:extLst>
-          </p:cNvPr>
-          <p:cNvSpPr/>
-          <p:nvPr/>
-        </p:nvSpPr>
-        <p:spPr>
-          <a:xfrm>
-            <a:off x="939346" y="2060848"/>
-            <a:ext cx="1512168" cy="1078865"/>
-          </a:xfrm>
-          <a:prstGeom prst="rect">
-            <a:avLst/>
-          </a:prstGeom>
-        </p:spPr>
-        <p:style>
-          <a:lnRef idx="2">
-            <a:schemeClr val="accent5">
-              <a:shade val="50000"/>
-            </a:schemeClr>
-          </a:lnRef>
-          <a:fillRef idx="1">
-            <a:schemeClr val="accent5"/>
-          </a:fillRef>
-          <a:effectRef idx="0">
-            <a:schemeClr val="accent5"/>
-          </a:effectRef>
-          <a:fontRef idx="minor">
-            <a:schemeClr val="lt1"/>
-          </a:fontRef>
-        </p:style>
-        <p:txBody>
-          <a:bodyPr rtlCol="0" anchor="ctr"/>
-          <a:lstStyle/>
-          <a:p>
-            <a:pPr algn="ctr"/>
-            <a:r>
-              <a:rPr lang="en-GB" dirty="0"/>
-              <a:t>Presentation</a:t>
-            </a:r>
-            <a:br>
-              <a:rPr lang="en-GB" dirty="0"/>
-            </a:br>
-            <a:r>
-              <a:rPr lang="en-GB" dirty="0"/>
-              <a:t>Layer</a:t>
-            </a:r>
-          </a:p>
-          <a:p>
-            <a:pPr algn="ctr"/>
-            <a:r>
-              <a:rPr lang="en-GB" dirty="0"/>
-              <a:t>API</a:t>
             </a:r>
           </a:p>
         </p:txBody>
